--- a/Markdown demo/markdown.pptx
+++ b/Markdown demo/markdown.pptx
@@ -257,7 +257,7 @@
           <a:p>
             <a:fld id="{6CEFCB56-D97E-4E0C-9239-CA4C2A97A926}" type="datetimeFigureOut">
               <a:rPr lang="nl-BE" smtClean="0"/>
-              <a:t>11/09/2015</a:t>
+              <a:t>20/09/2015</a:t>
             </a:fld>
             <a:endParaRPr lang="nl-BE"/>
           </a:p>
@@ -427,7 +427,7 @@
           <a:p>
             <a:fld id="{6CEFCB56-D97E-4E0C-9239-CA4C2A97A926}" type="datetimeFigureOut">
               <a:rPr lang="nl-BE" smtClean="0"/>
-              <a:t>11/09/2015</a:t>
+              <a:t>20/09/2015</a:t>
             </a:fld>
             <a:endParaRPr lang="nl-BE"/>
           </a:p>
@@ -607,7 +607,7 @@
           <a:p>
             <a:fld id="{6CEFCB56-D97E-4E0C-9239-CA4C2A97A926}" type="datetimeFigureOut">
               <a:rPr lang="nl-BE" smtClean="0"/>
-              <a:t>11/09/2015</a:t>
+              <a:t>20/09/2015</a:t>
             </a:fld>
             <a:endParaRPr lang="nl-BE"/>
           </a:p>
@@ -777,7 +777,7 @@
           <a:p>
             <a:fld id="{6CEFCB56-D97E-4E0C-9239-CA4C2A97A926}" type="datetimeFigureOut">
               <a:rPr lang="nl-BE" smtClean="0"/>
-              <a:t>11/09/2015</a:t>
+              <a:t>20/09/2015</a:t>
             </a:fld>
             <a:endParaRPr lang="nl-BE"/>
           </a:p>
@@ -1023,7 +1023,7 @@
           <a:p>
             <a:fld id="{6CEFCB56-D97E-4E0C-9239-CA4C2A97A926}" type="datetimeFigureOut">
               <a:rPr lang="nl-BE" smtClean="0"/>
-              <a:t>11/09/2015</a:t>
+              <a:t>20/09/2015</a:t>
             </a:fld>
             <a:endParaRPr lang="nl-BE"/>
           </a:p>
@@ -1255,7 +1255,7 @@
           <a:p>
             <a:fld id="{6CEFCB56-D97E-4E0C-9239-CA4C2A97A926}" type="datetimeFigureOut">
               <a:rPr lang="nl-BE" smtClean="0"/>
-              <a:t>11/09/2015</a:t>
+              <a:t>20/09/2015</a:t>
             </a:fld>
             <a:endParaRPr lang="nl-BE"/>
           </a:p>
@@ -1622,7 +1622,7 @@
           <a:p>
             <a:fld id="{6CEFCB56-D97E-4E0C-9239-CA4C2A97A926}" type="datetimeFigureOut">
               <a:rPr lang="nl-BE" smtClean="0"/>
-              <a:t>11/09/2015</a:t>
+              <a:t>20/09/2015</a:t>
             </a:fld>
             <a:endParaRPr lang="nl-BE"/>
           </a:p>
@@ -1740,7 +1740,7 @@
           <a:p>
             <a:fld id="{6CEFCB56-D97E-4E0C-9239-CA4C2A97A926}" type="datetimeFigureOut">
               <a:rPr lang="nl-BE" smtClean="0"/>
-              <a:t>11/09/2015</a:t>
+              <a:t>20/09/2015</a:t>
             </a:fld>
             <a:endParaRPr lang="nl-BE"/>
           </a:p>
@@ -1835,7 +1835,7 @@
           <a:p>
             <a:fld id="{6CEFCB56-D97E-4E0C-9239-CA4C2A97A926}" type="datetimeFigureOut">
               <a:rPr lang="nl-BE" smtClean="0"/>
-              <a:t>11/09/2015</a:t>
+              <a:t>20/09/2015</a:t>
             </a:fld>
             <a:endParaRPr lang="nl-BE"/>
           </a:p>
@@ -2112,7 +2112,7 @@
           <a:p>
             <a:fld id="{6CEFCB56-D97E-4E0C-9239-CA4C2A97A926}" type="datetimeFigureOut">
               <a:rPr lang="nl-BE" smtClean="0"/>
-              <a:t>11/09/2015</a:t>
+              <a:t>20/09/2015</a:t>
             </a:fld>
             <a:endParaRPr lang="nl-BE"/>
           </a:p>
@@ -2365,7 +2365,7 @@
           <a:p>
             <a:fld id="{6CEFCB56-D97E-4E0C-9239-CA4C2A97A926}" type="datetimeFigureOut">
               <a:rPr lang="nl-BE" smtClean="0"/>
-              <a:t>11/09/2015</a:t>
+              <a:t>20/09/2015</a:t>
             </a:fld>
             <a:endParaRPr lang="nl-BE"/>
           </a:p>
@@ -2578,7 +2578,7 @@
           <a:p>
             <a:fld id="{6CEFCB56-D97E-4E0C-9239-CA4C2A97A926}" type="datetimeFigureOut">
               <a:rPr lang="nl-BE" smtClean="0"/>
-              <a:t>11/09/2015</a:t>
+              <a:t>20/09/2015</a:t>
             </a:fld>
             <a:endParaRPr lang="nl-BE"/>
           </a:p>
@@ -4493,7 +4493,21 @@
                 <a:latin typeface="Courier New" panose="02070309020205020404" pitchFamily="49" charset="0"/>
                 <a:cs typeface="Courier New" panose="02070309020205020404" pitchFamily="49" charset="0"/>
               </a:rPr>
-              <a:t>Third.Notice</a:t>
+              <a:t>Third</a:t>
+            </a:r>
+            <a:r>
+              <a:rPr lang="nl-BE" dirty="0" smtClean="0">
+                <a:latin typeface="Courier New" panose="02070309020205020404" pitchFamily="49" charset="0"/>
+                <a:cs typeface="Courier New" panose="02070309020205020404" pitchFamily="49" charset="0"/>
+              </a:rPr>
+              <a:t>. </a:t>
+            </a:r>
+            <a:r>
+              <a:rPr lang="nl-BE" dirty="0" err="1" smtClean="0">
+                <a:latin typeface="Courier New" panose="02070309020205020404" pitchFamily="49" charset="0"/>
+                <a:cs typeface="Courier New" panose="02070309020205020404" pitchFamily="49" charset="0"/>
+              </a:rPr>
+              <a:t>Notice</a:t>
             </a:r>
             <a:r>
               <a:rPr lang="nl-BE" dirty="0" smtClean="0">
@@ -4915,7 +4929,7 @@
                 <a:latin typeface="Courier New" panose="02070309020205020404" pitchFamily="49" charset="0"/>
                 <a:cs typeface="Courier New" panose="02070309020205020404" pitchFamily="49" charset="0"/>
               </a:rPr>
-              <a:t>Item </a:t>
+              <a:t> Item </a:t>
             </a:r>
             <a:r>
               <a:rPr lang="nl-BE" dirty="0" err="1" smtClean="0">
@@ -4939,7 +4953,7 @@
                 <a:latin typeface="Courier New" panose="02070309020205020404" pitchFamily="49" charset="0"/>
                 <a:cs typeface="Courier New" panose="02070309020205020404" pitchFamily="49" charset="0"/>
               </a:rPr>
-              <a:t>Item </a:t>
+              <a:t> Item </a:t>
             </a:r>
             <a:r>
               <a:rPr lang="nl-BE" dirty="0" err="1" smtClean="0">
@@ -6575,7 +6589,7 @@
               <a:t> *</a:t>
             </a:r>
             <a:r>
-              <a:rPr lang="nl-BE" b="1" dirty="0" smtClean="0">
+              <a:rPr lang="nl-BE" i="1" dirty="0" smtClean="0">
                 <a:latin typeface="Courier New" panose="02070309020205020404" pitchFamily="49" charset="0"/>
                 <a:cs typeface="Courier New" panose="02070309020205020404" pitchFamily="49" charset="0"/>
               </a:rPr>
